--- a/GISオープン教材/14_点データの分析/点データの分析.pptx
+++ b/GISオープン教材/14_点データの分析/点データの分析.pptx
@@ -227,7 +227,7 @@
           <a:p>
             <a:fld id="{20DD649D-ADFC-45C3-92B2-C283080341A5}" type="datetimeFigureOut">
               <a:rPr kumimoji="1" lang="ja-JP" altLang="en-US" smtClean="0"/>
-              <a:t>2016/3/15</a:t>
+              <a:t>2016/6/24</a:t>
             </a:fld>
             <a:endParaRPr kumimoji="1" lang="ja-JP" altLang="en-US"/>
           </a:p>
@@ -690,7 +690,7 @@
           <a:p>
             <a:fld id="{7BF98B17-CE4C-42DD-AEDB-B62939FBF2E8}" type="datetimeFigureOut">
               <a:rPr kumimoji="1" lang="ja-JP" altLang="en-US" smtClean="0"/>
-              <a:t>2016/3/15</a:t>
+              <a:t>2016/6/24</a:t>
             </a:fld>
             <a:endParaRPr kumimoji="1" lang="ja-JP" altLang="en-US"/>
           </a:p>
@@ -1759,7 +1759,7 @@
           <a:p>
             <a:fld id="{7BF98B17-CE4C-42DD-AEDB-B62939FBF2E8}" type="datetimeFigureOut">
               <a:rPr kumimoji="1" lang="ja-JP" altLang="en-US" smtClean="0"/>
-              <a:t>2016/3/15</a:t>
+              <a:t>2016/6/24</a:t>
             </a:fld>
             <a:endParaRPr kumimoji="1" lang="ja-JP" altLang="en-US"/>
           </a:p>
@@ -1971,7 +1971,7 @@
           <a:p>
             <a:fld id="{7BF98B17-CE4C-42DD-AEDB-B62939FBF2E8}" type="datetimeFigureOut">
               <a:rPr kumimoji="1" lang="ja-JP" altLang="en-US" smtClean="0"/>
-              <a:t>2016/3/15</a:t>
+              <a:t>2016/6/24</a:t>
             </a:fld>
             <a:endParaRPr kumimoji="1" lang="ja-JP" altLang="en-US"/>
           </a:p>
@@ -2286,7 +2286,7 @@
           <a:p>
             <a:fld id="{7BF98B17-CE4C-42DD-AEDB-B62939FBF2E8}" type="datetimeFigureOut">
               <a:rPr kumimoji="1" lang="ja-JP" altLang="en-US" smtClean="0"/>
-              <a:t>2016/3/15</a:t>
+              <a:t>2016/6/24</a:t>
             </a:fld>
             <a:endParaRPr kumimoji="1" lang="ja-JP" altLang="en-US"/>
           </a:p>
@@ -2582,7 +2582,7 @@
           <a:p>
             <a:fld id="{7BF98B17-CE4C-42DD-AEDB-B62939FBF2E8}" type="datetimeFigureOut">
               <a:rPr kumimoji="1" lang="ja-JP" altLang="en-US" smtClean="0"/>
-              <a:t>2016/3/15</a:t>
+              <a:t>2016/6/24</a:t>
             </a:fld>
             <a:endParaRPr kumimoji="1" lang="ja-JP" altLang="en-US"/>
           </a:p>
@@ -3013,7 +3013,7 @@
           <a:p>
             <a:fld id="{7BF98B17-CE4C-42DD-AEDB-B62939FBF2E8}" type="datetimeFigureOut">
               <a:rPr kumimoji="1" lang="ja-JP" altLang="en-US" smtClean="0"/>
-              <a:t>2016/3/15</a:t>
+              <a:t>2016/6/24</a:t>
             </a:fld>
             <a:endParaRPr kumimoji="1" lang="ja-JP" altLang="en-US"/>
           </a:p>
@@ -3131,7 +3131,7 @@
           <a:p>
             <a:fld id="{7BF98B17-CE4C-42DD-AEDB-B62939FBF2E8}" type="datetimeFigureOut">
               <a:rPr kumimoji="1" lang="ja-JP" altLang="en-US" smtClean="0"/>
-              <a:t>2016/3/15</a:t>
+              <a:t>2016/6/24</a:t>
             </a:fld>
             <a:endParaRPr kumimoji="1" lang="ja-JP" altLang="en-US"/>
           </a:p>
@@ -3226,7 +3226,7 @@
           <a:p>
             <a:fld id="{7BF98B17-CE4C-42DD-AEDB-B62939FBF2E8}" type="datetimeFigureOut">
               <a:rPr kumimoji="1" lang="ja-JP" altLang="en-US" smtClean="0"/>
-              <a:t>2016/3/15</a:t>
+              <a:t>2016/6/24</a:t>
             </a:fld>
             <a:endParaRPr kumimoji="1" lang="ja-JP" altLang="en-US"/>
           </a:p>
@@ -3535,7 +3535,7 @@
           <a:p>
             <a:fld id="{7BF98B17-CE4C-42DD-AEDB-B62939FBF2E8}" type="datetimeFigureOut">
               <a:rPr kumimoji="1" lang="ja-JP" altLang="en-US" smtClean="0"/>
-              <a:t>2016/3/15</a:t>
+              <a:t>2016/6/24</a:t>
             </a:fld>
             <a:endParaRPr kumimoji="1" lang="ja-JP" altLang="en-US"/>
           </a:p>
@@ -3792,7 +3792,7 @@
           <a:p>
             <a:fld id="{7BF98B17-CE4C-42DD-AEDB-B62939FBF2E8}" type="datetimeFigureOut">
               <a:rPr kumimoji="1" lang="ja-JP" altLang="en-US" smtClean="0"/>
-              <a:t>2016/3/15</a:t>
+              <a:t>2016/6/24</a:t>
             </a:fld>
             <a:endParaRPr kumimoji="1" lang="ja-JP" altLang="en-US"/>
           </a:p>
@@ -4037,7 +4037,7 @@
           <a:p>
             <a:fld id="{7BF98B17-CE4C-42DD-AEDB-B62939FBF2E8}" type="datetimeFigureOut">
               <a:rPr kumimoji="1" lang="ja-JP" altLang="en-US" smtClean="0"/>
-              <a:t>2016/3/15</a:t>
+              <a:t>2016/6/24</a:t>
             </a:fld>
             <a:endParaRPr kumimoji="1" lang="ja-JP" altLang="en-US"/>
           </a:p>
@@ -7481,7 +7481,15 @@
           <a:p>
             <a:r>
               <a:rPr lang="ja-JP" altLang="en-US" sz="1600" b="1" dirty="0"/>
-              <a:t>* 「国土交通省国土政策局「国土数値情報（島根県　行政区域、道路、消防署、医療施設データ）」を加工し（座標変換</a:t>
+              <a:t>* 「国土交通省国土政策局「国土数値情報（島根県　行政区域、道路、消防署、</a:t>
+            </a:r>
+            <a:r>
+              <a:rPr lang="ja-JP" altLang="en-US" sz="1600" b="1" dirty="0" smtClean="0"/>
+              <a:t>医療機関データ</a:t>
+            </a:r>
+            <a:r>
+              <a:rPr lang="ja-JP" altLang="en-US" sz="1600" b="1" dirty="0"/>
+              <a:t>）」を加工し（座標変換</a:t>
             </a:r>
             <a:r>
               <a:rPr lang="en-US" altLang="ja-JP" sz="1600" b="1" dirty="0"/>
